--- a/P5/Presentation_projet_5.pptx
+++ b/P5/Presentation_projet_5.pptx
@@ -218,7 +218,7 @@
           <a:p>
             <a:fld id="{E66492E5-39EF-4EC5-9E99-7F0DBC26806B}" type="datetimeFigureOut">
               <a:rPr lang="fr-FR" smtClean="0"/>
-              <a:t>17/12/2017</a:t>
+              <a:t>18/12/2017</a:t>
             </a:fld>
             <a:endParaRPr lang="fr-FR"/>
           </a:p>
@@ -751,7 +751,7 @@
           <a:p>
             <a:fld id="{2A35F02A-33DF-42A4-9F54-2DFA5B84052E}" type="datetime1">
               <a:rPr lang="fr-FR" smtClean="0"/>
-              <a:t>17/12/2017</a:t>
+              <a:t>18/12/2017</a:t>
             </a:fld>
             <a:endParaRPr lang="fr-FR"/>
           </a:p>
@@ -925,7 +925,7 @@
           <a:p>
             <a:fld id="{AA7084F6-C923-4306-BC74-6AA1A26D5992}" type="datetime1">
               <a:rPr lang="fr-FR" smtClean="0"/>
-              <a:t>17/12/2017</a:t>
+              <a:t>18/12/2017</a:t>
             </a:fld>
             <a:endParaRPr lang="fr-FR"/>
           </a:p>
@@ -1109,7 +1109,7 @@
           <a:p>
             <a:fld id="{6B9DA1C8-56AA-40E0-92DC-CCF13B41CFF7}" type="datetime1">
               <a:rPr lang="fr-FR" smtClean="0"/>
-              <a:t>17/12/2017</a:t>
+              <a:t>18/12/2017</a:t>
             </a:fld>
             <a:endParaRPr lang="fr-FR"/>
           </a:p>
@@ -1283,7 +1283,7 @@
           <a:p>
             <a:fld id="{30547005-2CCE-4AAF-810C-C33FB4661996}" type="datetime1">
               <a:rPr lang="fr-FR" smtClean="0"/>
-              <a:t>17/12/2017</a:t>
+              <a:t>18/12/2017</a:t>
             </a:fld>
             <a:endParaRPr lang="fr-FR"/>
           </a:p>
@@ -1533,7 +1533,7 @@
           <a:p>
             <a:fld id="{3EBD0647-CE4F-4B82-BC14-997434234D2E}" type="datetime1">
               <a:rPr lang="fr-FR" smtClean="0"/>
-              <a:t>17/12/2017</a:t>
+              <a:t>18/12/2017</a:t>
             </a:fld>
             <a:endParaRPr lang="fr-FR"/>
           </a:p>
@@ -1825,7 +1825,7 @@
           <a:p>
             <a:fld id="{263CA1C6-1D15-44B1-8495-DE2EC5425D2F}" type="datetime1">
               <a:rPr lang="fr-FR" smtClean="0"/>
-              <a:t>17/12/2017</a:t>
+              <a:t>18/12/2017</a:t>
             </a:fld>
             <a:endParaRPr lang="fr-FR"/>
           </a:p>
@@ -2251,7 +2251,7 @@
           <a:p>
             <a:fld id="{5F86B07A-1301-4558-A6E0-D7A436826ECB}" type="datetime1">
               <a:rPr lang="fr-FR" smtClean="0"/>
-              <a:t>17/12/2017</a:t>
+              <a:t>18/12/2017</a:t>
             </a:fld>
             <a:endParaRPr lang="fr-FR"/>
           </a:p>
@@ -2373,7 +2373,7 @@
           <a:p>
             <a:fld id="{10CD6315-9A1E-41E9-BC28-33D394163B67}" type="datetime1">
               <a:rPr lang="fr-FR" smtClean="0"/>
-              <a:t>17/12/2017</a:t>
+              <a:t>18/12/2017</a:t>
             </a:fld>
             <a:endParaRPr lang="fr-FR"/>
           </a:p>
@@ -2472,7 +2472,7 @@
           <a:p>
             <a:fld id="{8EA7A85C-1960-4CA0-B72B-A39E81C20158}" type="datetime1">
               <a:rPr lang="fr-FR" smtClean="0"/>
-              <a:t>17/12/2017</a:t>
+              <a:t>18/12/2017</a:t>
             </a:fld>
             <a:endParaRPr lang="fr-FR"/>
           </a:p>
@@ -2753,7 +2753,7 @@
           <a:p>
             <a:fld id="{885A14C0-C539-4FC5-A6ED-ABABD975303B}" type="datetime1">
               <a:rPr lang="fr-FR" smtClean="0"/>
-              <a:t>17/12/2017</a:t>
+              <a:t>18/12/2017</a:t>
             </a:fld>
             <a:endParaRPr lang="fr-FR"/>
           </a:p>
@@ -3010,7 +3010,7 @@
           <a:p>
             <a:fld id="{D772F3C9-8121-4DF6-9420-FBC4A08EF57A}" type="datetime1">
               <a:rPr lang="fr-FR" smtClean="0"/>
-              <a:t>17/12/2017</a:t>
+              <a:t>18/12/2017</a:t>
             </a:fld>
             <a:endParaRPr lang="fr-FR"/>
           </a:p>
@@ -3248,7 +3248,7 @@
           <a:p>
             <a:fld id="{C13329EF-B01B-4D4B-83A1-AFBB7696C373}" type="datetime1">
               <a:rPr lang="fr-FR" smtClean="0"/>
-              <a:t>17/12/2017</a:t>
+              <a:t>18/12/2017</a:t>
             </a:fld>
             <a:endParaRPr lang="fr-FR"/>
           </a:p>
@@ -3702,25 +3702,7 @@
                 </a:solidFill>
                 <a:latin typeface="Lato" pitchFamily="34" charset="0"/>
               </a:rPr>
-              <a:t>Projet </a:t>
-            </a:r>
-            <a:r>
-              <a:rPr lang="fr-FR" dirty="0" smtClean="0">
-                <a:solidFill>
-                  <a:srgbClr val="E8750C"/>
-                </a:solidFill>
-                <a:latin typeface="Lato" pitchFamily="34" charset="0"/>
-              </a:rPr>
-              <a:t>5 </a:t>
-            </a:r>
-            <a:r>
-              <a:rPr lang="fr-FR" dirty="0" smtClean="0">
-                <a:solidFill>
-                  <a:srgbClr val="E8750C"/>
-                </a:solidFill>
-                <a:latin typeface="Lato" pitchFamily="34" charset="0"/>
-              </a:rPr>
-              <a:t>:</a:t>
+              <a:t>Projet 5 :</a:t>
             </a:r>
           </a:p>
           <a:p>
@@ -3763,7 +3745,7 @@
                   <a:srgbClr val="95023C"/>
                 </a:solidFill>
               </a:rPr>
-              <a:t>17/12/2017</a:t>
+              <a:t>18/12/2017</a:t>
             </a:fld>
             <a:endParaRPr lang="fr-FR" dirty="0">
               <a:solidFill>
@@ -4096,7 +4078,7 @@
           <a:p>
             <a:fld id="{30547005-2CCE-4AAF-810C-C33FB4661996}" type="datetime1">
               <a:rPr lang="fr-FR" smtClean="0"/>
-              <a:t>17/12/2017</a:t>
+              <a:t>18/12/2017</a:t>
             </a:fld>
             <a:endParaRPr lang="fr-FR"/>
           </a:p>
@@ -4411,7 +4393,7 @@
           <a:p>
             <a:fld id="{30547005-2CCE-4AAF-810C-C33FB4661996}" type="datetime1">
               <a:rPr lang="fr-FR" smtClean="0"/>
-              <a:t>17/12/2017</a:t>
+              <a:t>18/12/2017</a:t>
             </a:fld>
             <a:endParaRPr lang="fr-FR"/>
           </a:p>
@@ -4626,7 +4608,7 @@
           <a:p>
             <a:fld id="{30547005-2CCE-4AAF-810C-C33FB4661996}" type="datetime1">
               <a:rPr lang="fr-FR" smtClean="0"/>
-              <a:t>17/12/2017</a:t>
+              <a:t>18/12/2017</a:t>
             </a:fld>
             <a:endParaRPr lang="fr-FR"/>
           </a:p>
@@ -4841,7 +4823,7 @@
           <a:p>
             <a:fld id="{30547005-2CCE-4AAF-810C-C33FB4661996}" type="datetime1">
               <a:rPr lang="fr-FR" smtClean="0"/>
-              <a:t>17/12/2017</a:t>
+              <a:t>18/12/2017</a:t>
             </a:fld>
             <a:endParaRPr lang="fr-FR"/>
           </a:p>
@@ -5168,7 +5150,23 @@
                   <a:srgbClr val="E8750C"/>
                 </a:solidFill>
               </a:rPr>
-              <a:t>Encodage des article par cluster</a:t>
+              <a:t>Encodage des </a:t>
+            </a:r>
+            <a:r>
+              <a:rPr lang="fr-FR" dirty="0" smtClean="0">
+                <a:solidFill>
+                  <a:srgbClr val="E8750C"/>
+                </a:solidFill>
+              </a:rPr>
+              <a:t>articles </a:t>
+            </a:r>
+            <a:r>
+              <a:rPr lang="fr-FR" dirty="0" smtClean="0">
+                <a:solidFill>
+                  <a:srgbClr val="E8750C"/>
+                </a:solidFill>
+              </a:rPr>
+              <a:t>par cluster</a:t>
             </a:r>
           </a:p>
           <a:p>
@@ -5254,7 +5252,39 @@
                   <a:srgbClr val="E8750C"/>
                 </a:solidFill>
               </a:rPr>
-              <a:t>Sauvegarde Objet =&gt; Cluster</a:t>
+              <a:t>Sauvegarde </a:t>
+            </a:r>
+            <a:r>
+              <a:rPr lang="fr-FR" dirty="0">
+                <a:solidFill>
+                  <a:srgbClr val="E8750C"/>
+                </a:solidFill>
+              </a:rPr>
+              <a:t>du </a:t>
+            </a:r>
+            <a:r>
+              <a:rPr lang="fr-FR" dirty="0" err="1">
+                <a:solidFill>
+                  <a:srgbClr val="E8750C"/>
+                </a:solidFill>
+              </a:rPr>
+              <a:t>converter</a:t>
+            </a:r>
+            <a:r>
+              <a:rPr lang="fr-FR" dirty="0">
+                <a:solidFill>
+                  <a:srgbClr val="E8750C"/>
+                </a:solidFill>
+              </a:rPr>
+              <a:t> Objet </a:t>
+            </a:r>
+            <a:r>
+              <a:rPr lang="fr-FR" dirty="0" smtClean="0">
+                <a:solidFill>
+                  <a:srgbClr val="E8750C"/>
+                </a:solidFill>
+              </a:rPr>
+              <a:t>=&gt; Cluster</a:t>
             </a:r>
           </a:p>
           <a:p>
@@ -5286,7 +5316,7 @@
           <a:p>
             <a:fld id="{30547005-2CCE-4AAF-810C-C33FB4661996}" type="datetime1">
               <a:rPr lang="fr-FR" smtClean="0"/>
-              <a:t>17/12/2017</a:t>
+              <a:t>18/12/2017</a:t>
             </a:fld>
             <a:endParaRPr lang="fr-FR"/>
           </a:p>
@@ -5583,7 +5613,7 @@
           <a:p>
             <a:fld id="{30547005-2CCE-4AAF-810C-C33FB4661996}" type="datetime1">
               <a:rPr lang="fr-FR" smtClean="0"/>
-              <a:t>17/12/2017</a:t>
+              <a:t>18/12/2017</a:t>
             </a:fld>
             <a:endParaRPr lang="fr-FR"/>
           </a:p>
@@ -5970,20 +6000,20 @@
               <a:t>Garder </a:t>
             </a:r>
             <a:r>
-              <a:rPr lang="fr-FR" dirty="0" err="1" smtClean="0">
-                <a:solidFill>
-                  <a:srgbClr val="E8750C"/>
-                </a:solidFill>
-              </a:rPr>
-              <a:t>sufisament</a:t>
-            </a:r>
-            <a:r>
-              <a:rPr lang="fr-FR" dirty="0" smtClean="0">
-                <a:solidFill>
-                  <a:srgbClr val="E8750C"/>
-                </a:solidFill>
-              </a:rPr>
-              <a:t> de </a:t>
+              <a:rPr lang="fr-FR" dirty="0" smtClean="0">
+                <a:solidFill>
+                  <a:srgbClr val="E8750C"/>
+                </a:solidFill>
+              </a:rPr>
+              <a:t>suffisamment </a:t>
+            </a:r>
+            <a:r>
+              <a:rPr lang="fr-FR" dirty="0" smtClean="0">
+                <a:solidFill>
+                  <a:srgbClr val="E8750C"/>
+                </a:solidFill>
+              </a:rPr>
+              <a:t>de </a:t>
             </a:r>
           </a:p>
           <a:p>
@@ -6018,7 +6048,7 @@
           <a:p>
             <a:fld id="{30547005-2CCE-4AAF-810C-C33FB4661996}" type="datetime1">
               <a:rPr lang="fr-FR" smtClean="0"/>
-              <a:t>17/12/2017</a:t>
+              <a:t>18/12/2017</a:t>
             </a:fld>
             <a:endParaRPr lang="fr-FR"/>
           </a:p>
@@ -6267,7 +6297,7 @@
           <a:p>
             <a:fld id="{30547005-2CCE-4AAF-810C-C33FB4661996}" type="datetime1">
               <a:rPr lang="fr-FR" smtClean="0"/>
-              <a:t>17/12/2017</a:t>
+              <a:t>18/12/2017</a:t>
             </a:fld>
             <a:endParaRPr lang="fr-FR"/>
           </a:p>
@@ -6423,7 +6453,7 @@
           <a:p>
             <a:fld id="{30547005-2CCE-4AAF-810C-C33FB4661996}" type="datetime1">
               <a:rPr lang="fr-FR" smtClean="0"/>
-              <a:t>17/12/2017</a:t>
+              <a:t>18/12/2017</a:t>
             </a:fld>
             <a:endParaRPr lang="fr-FR"/>
           </a:p>
@@ -6579,7 +6609,7 @@
           <a:p>
             <a:fld id="{30547005-2CCE-4AAF-810C-C33FB4661996}" type="datetime1">
               <a:rPr lang="fr-FR" smtClean="0"/>
-              <a:t>17/12/2017</a:t>
+              <a:t>18/12/2017</a:t>
             </a:fld>
             <a:endParaRPr lang="fr-FR"/>
           </a:p>
@@ -6802,11 +6832,6 @@
               </a:rPr>
               <a:t>API</a:t>
             </a:r>
-            <a:endParaRPr lang="fr-FR" dirty="0" smtClean="0">
-              <a:solidFill>
-                <a:srgbClr val="E8750C"/>
-              </a:solidFill>
-            </a:endParaRPr>
           </a:p>
           <a:p>
             <a:r>
@@ -6852,7 +6877,7 @@
           <a:p>
             <a:fld id="{30547005-2CCE-4AAF-810C-C33FB4661996}" type="datetime1">
               <a:rPr lang="fr-FR" smtClean="0"/>
-              <a:t>17/12/2017</a:t>
+              <a:t>18/12/2017</a:t>
             </a:fld>
             <a:endParaRPr lang="fr-FR"/>
           </a:p>
@@ -7059,7 +7084,7 @@
           <a:p>
             <a:fld id="{30547005-2CCE-4AAF-810C-C33FB4661996}" type="datetime1">
               <a:rPr lang="fr-FR" smtClean="0"/>
-              <a:t>17/12/2017</a:t>
+              <a:t>18/12/2017</a:t>
             </a:fld>
             <a:endParaRPr lang="fr-FR"/>
           </a:p>
@@ -7176,22 +7201,18 @@
                   <a:srgbClr val="E8750C"/>
                 </a:solidFill>
               </a:rPr>
-              <a:t>Multiple Modèle testés</a:t>
-            </a:r>
-          </a:p>
-          <a:p>
-            <a:pPr lvl="1"/>
-            <a:r>
-              <a:rPr lang="fr-FR" dirty="0" smtClean="0">
-                <a:solidFill>
-                  <a:srgbClr val="E8750C"/>
-                </a:solidFill>
-              </a:rPr>
-              <a:t>Suppression Cluster 6 (4 clients – VIP)</a:t>
-            </a:r>
-          </a:p>
-          <a:p>
-            <a:pPr lvl="1"/>
+              <a:t>Suppression </a:t>
+            </a:r>
+            <a:r>
+              <a:rPr lang="fr-FR" dirty="0" smtClean="0">
+                <a:solidFill>
+                  <a:srgbClr val="E8750C"/>
+                </a:solidFill>
+              </a:rPr>
+              <a:t>Cluster 6 (4 clients – VIP)</a:t>
+            </a:r>
+          </a:p>
+          <a:p>
             <a:r>
               <a:rPr lang="fr-FR" strike="sngStrike" dirty="0" smtClean="0">
                 <a:solidFill>
@@ -7239,6 +7260,16 @@
             </a:endParaRPr>
           </a:p>
           <a:p>
+            <a:r>
+              <a:rPr lang="fr-FR" dirty="0">
+                <a:solidFill>
+                  <a:srgbClr val="E8750C"/>
+                </a:solidFill>
+              </a:rPr>
+              <a:t>Multiple Modèles testés</a:t>
+            </a:r>
+          </a:p>
+          <a:p>
             <a:pPr lvl="1"/>
             <a:r>
               <a:rPr lang="fr-FR" dirty="0" smtClean="0">
@@ -7246,18 +7277,15 @@
                   <a:srgbClr val="E8750C"/>
                 </a:solidFill>
               </a:rPr>
-              <a:t>Modèles</a:t>
-            </a:r>
-          </a:p>
-          <a:p>
-            <a:pPr lvl="2"/>
-            <a:r>
-              <a:rPr lang="fr-FR" dirty="0" smtClean="0">
-                <a:solidFill>
-                  <a:srgbClr val="E8750C"/>
-                </a:solidFill>
-              </a:rPr>
-              <a:t>KNN ( </a:t>
+              <a:t>KNN </a:t>
+            </a:r>
+            <a:r>
+              <a:rPr lang="fr-FR" dirty="0" smtClean="0">
+                <a:solidFill>
+                  <a:srgbClr val="E8750C"/>
+                </a:solidFill>
+              </a:rPr>
+              <a:t>( </a:t>
             </a:r>
             <a:r>
               <a:rPr lang="fr-FR" dirty="0" err="1" smtClean="0">
@@ -7277,7 +7305,7 @@
             </a:r>
           </a:p>
           <a:p>
-            <a:pPr lvl="2"/>
+            <a:pPr lvl="1"/>
             <a:r>
               <a:rPr lang="fr-FR" dirty="0" smtClean="0">
                 <a:solidFill>
@@ -7312,7 +7340,7 @@
             </a:r>
           </a:p>
           <a:p>
-            <a:pPr lvl="2"/>
+            <a:pPr lvl="1"/>
             <a:r>
               <a:rPr lang="fr-FR" dirty="0" err="1" smtClean="0">
                 <a:solidFill>
@@ -7363,7 +7391,7 @@
             </a:r>
           </a:p>
           <a:p>
-            <a:pPr lvl="2"/>
+            <a:pPr lvl="1"/>
             <a:r>
               <a:rPr lang="fr-FR" dirty="0" err="1" smtClean="0">
                 <a:solidFill>
@@ -7422,7 +7450,7 @@
             </a:r>
           </a:p>
           <a:p>
-            <a:pPr lvl="2">
+            <a:pPr lvl="1">
               <a:buFont typeface="Wingdings" pitchFamily="2" charset="2"/>
               <a:buChar char="ü"/>
             </a:pPr>
@@ -7476,10 +7504,6 @@
             </a:r>
           </a:p>
           <a:p>
-            <a:pPr lvl="1">
-              <a:buFont typeface="Arial" pitchFamily="34" charset="0"/>
-              <a:buChar char="•"/>
-            </a:pPr>
             <a:r>
               <a:rPr lang="fr-FR" dirty="0" err="1" smtClean="0">
                 <a:solidFill>
@@ -7545,7 +7569,7 @@
           <a:p>
             <a:fld id="{30547005-2CCE-4AAF-810C-C33FB4661996}" type="datetime1">
               <a:rPr lang="fr-FR" smtClean="0"/>
-              <a:t>17/12/2017</a:t>
+              <a:t>18/12/2017</a:t>
             </a:fld>
             <a:endParaRPr lang="fr-FR"/>
           </a:p>
@@ -7650,7 +7674,7 @@
           <a:p>
             <a:fld id="{30547005-2CCE-4AAF-810C-C33FB4661996}" type="datetime1">
               <a:rPr lang="fr-FR" smtClean="0"/>
-              <a:t>17/12/2017</a:t>
+              <a:t>18/12/2017</a:t>
             </a:fld>
             <a:endParaRPr lang="fr-FR"/>
           </a:p>
@@ -7737,7 +7761,7 @@
         <p:spPr>
           <a:xfrm>
             <a:off x="4860032" y="1412776"/>
-            <a:ext cx="4109320" cy="523220"/>
+            <a:ext cx="4109320" cy="954107"/>
           </a:xfrm>
           <a:prstGeom prst="rect">
             <a:avLst/>
@@ -7752,12 +7776,20 @@
           <a:p>
             <a:pPr algn="ctr"/>
             <a:r>
+              <a:rPr lang="fr-FR" sz="2800" dirty="0" err="1" smtClean="0">
+                <a:solidFill>
+                  <a:srgbClr val="E8750C"/>
+                </a:solidFill>
+              </a:rPr>
+              <a:t>Decision</a:t>
+            </a:r>
+            <a:r>
               <a:rPr lang="fr-FR" sz="2800" dirty="0" smtClean="0">
                 <a:solidFill>
                   <a:srgbClr val="E8750C"/>
                 </a:solidFill>
               </a:rPr>
-              <a:t>Forest </a:t>
+              <a:t> </a:t>
             </a:r>
             <a:r>
               <a:rPr lang="fr-FR" sz="2800" dirty="0" err="1" smtClean="0">
@@ -7990,7 +8022,7 @@
           <a:p>
             <a:fld id="{30547005-2CCE-4AAF-810C-C33FB4661996}" type="datetime1">
               <a:rPr lang="fr-FR" smtClean="0"/>
-              <a:t>17/12/2017</a:t>
+              <a:t>18/12/2017</a:t>
             </a:fld>
             <a:endParaRPr lang="fr-FR"/>
           </a:p>
@@ -8251,7 +8283,7 @@
                   <a:srgbClr val="E8750C"/>
                 </a:solidFill>
               </a:rPr>
-              <a:t>Charge modèle </a:t>
+              <a:t>Charge </a:t>
             </a:r>
             <a:r>
               <a:rPr lang="fr-FR" sz="2000" dirty="0" err="1" smtClean="0">
@@ -8259,6 +8291,22 @@
                   <a:srgbClr val="E8750C"/>
                 </a:solidFill>
               </a:rPr>
+              <a:t>scaler</a:t>
+            </a:r>
+            <a:r>
+              <a:rPr lang="fr-FR" sz="2000" dirty="0" smtClean="0">
+                <a:solidFill>
+                  <a:srgbClr val="E8750C"/>
+                </a:solidFill>
+              </a:rPr>
+              <a:t> + modèle </a:t>
+            </a:r>
+            <a:r>
+              <a:rPr lang="fr-FR" sz="2000" dirty="0" err="1" smtClean="0">
+                <a:solidFill>
+                  <a:srgbClr val="E8750C"/>
+                </a:solidFill>
+              </a:rPr>
               <a:t>fitté</a:t>
             </a:r>
             <a:r>
@@ -8267,78 +8315,7 @@
                   <a:srgbClr val="E8750C"/>
                 </a:solidFill>
               </a:rPr>
-              <a:t> et prédiction</a:t>
-            </a:r>
-          </a:p>
-          <a:p>
-            <a:pPr lvl="1"/>
-            <a:r>
-              <a:rPr lang="fr-FR" sz="2400" dirty="0" smtClean="0">
-                <a:solidFill>
-                  <a:srgbClr val="E8750C"/>
-                </a:solidFill>
-              </a:rPr>
-              <a:t>Runtest.bat</a:t>
-            </a:r>
-          </a:p>
-          <a:p>
-            <a:pPr lvl="2"/>
-            <a:r>
-              <a:rPr lang="fr-FR" sz="2000" dirty="0" smtClean="0">
-                <a:solidFill>
-                  <a:srgbClr val="E8750C"/>
-                </a:solidFill>
-              </a:rPr>
-              <a:t>Appelle test.py</a:t>
-            </a:r>
-          </a:p>
-          <a:p>
-            <a:pPr lvl="2">
-              <a:buFont typeface="Wingdings" pitchFamily="2" charset="2"/>
-              <a:buChar char="v"/>
-            </a:pPr>
-            <a:r>
-              <a:rPr lang="fr-FR" sz="2000" dirty="0">
-                <a:solidFill>
-                  <a:srgbClr val="95023C"/>
-                </a:solidFill>
-              </a:rPr>
-              <a:t>python test.py </a:t>
-            </a:r>
-            <a:r>
-              <a:rPr lang="fr-FR" sz="2000" dirty="0" smtClean="0">
-                <a:solidFill>
-                  <a:srgbClr val="95023C"/>
-                </a:solidFill>
-              </a:rPr>
-              <a:t>client.csv </a:t>
-            </a:r>
-            <a:r>
-              <a:rPr lang="fr-FR" sz="2000" dirty="0" smtClean="0">
-                <a:solidFill>
-                  <a:srgbClr val="E8750C"/>
-                </a:solidFill>
-              </a:rPr>
-              <a:t>…</a:t>
-            </a:r>
-          </a:p>
-          <a:p>
-            <a:pPr lvl="2"/>
-            <a:r>
-              <a:rPr lang="fr-FR" sz="2000" dirty="0" smtClean="0">
-                <a:solidFill>
-                  <a:srgbClr val="E8750C"/>
-                </a:solidFill>
-              </a:rPr>
-              <a:t>Certains dataset = 2 </a:t>
-            </a:r>
-            <a:r>
-              <a:rPr lang="fr-FR" sz="2000" dirty="0" err="1" smtClean="0">
-                <a:solidFill>
-                  <a:srgbClr val="E8750C"/>
-                </a:solidFill>
-              </a:rPr>
-              <a:t>invoices</a:t>
+              <a:t> =&gt; prédiction</a:t>
             </a:r>
             <a:endParaRPr lang="fr-FR" sz="2000" dirty="0" smtClean="0">
               <a:solidFill>
@@ -8347,6 +8324,82 @@
             </a:endParaRPr>
           </a:p>
           <a:p>
+            <a:pPr lvl="1"/>
+            <a:r>
+              <a:rPr lang="fr-FR" sz="2400" dirty="0" smtClean="0">
+                <a:solidFill>
+                  <a:srgbClr val="E8750C"/>
+                </a:solidFill>
+              </a:rPr>
+              <a:t>Runtest.bat</a:t>
+            </a:r>
+          </a:p>
+          <a:p>
+            <a:pPr lvl="2"/>
+            <a:r>
+              <a:rPr lang="fr-FR" sz="2000" dirty="0" smtClean="0">
+                <a:solidFill>
+                  <a:srgbClr val="E8750C"/>
+                </a:solidFill>
+              </a:rPr>
+              <a:t>Appelle test.py</a:t>
+            </a:r>
+          </a:p>
+          <a:p>
+            <a:pPr lvl="2">
+              <a:buFont typeface="Wingdings" pitchFamily="2" charset="2"/>
+              <a:buChar char="v"/>
+            </a:pPr>
+            <a:r>
+              <a:rPr lang="fr-FR" sz="2000" dirty="0">
+                <a:solidFill>
+                  <a:srgbClr val="95023C"/>
+                </a:solidFill>
+              </a:rPr>
+              <a:t>python test.py </a:t>
+            </a:r>
+            <a:r>
+              <a:rPr lang="fr-FR" sz="2000" dirty="0" smtClean="0">
+                <a:solidFill>
+                  <a:srgbClr val="95023C"/>
+                </a:solidFill>
+              </a:rPr>
+              <a:t>client.csv </a:t>
+            </a:r>
+            <a:r>
+              <a:rPr lang="fr-FR" sz="2000" dirty="0" smtClean="0">
+                <a:solidFill>
+                  <a:srgbClr val="E8750C"/>
+                </a:solidFill>
+              </a:rPr>
+              <a:t>…</a:t>
+            </a:r>
+          </a:p>
+          <a:p>
+            <a:pPr lvl="2"/>
+            <a:r>
+              <a:rPr lang="fr-FR" sz="2000" dirty="0" smtClean="0">
+                <a:solidFill>
+                  <a:srgbClr val="E8750C"/>
+                </a:solidFill>
+              </a:rPr>
+              <a:t>Certains dataset = 2 </a:t>
+            </a:r>
+            <a:r>
+              <a:rPr lang="fr-FR" sz="2000" dirty="0" err="1" smtClean="0">
+                <a:solidFill>
+                  <a:srgbClr val="E8750C"/>
+                </a:solidFill>
+              </a:rPr>
+              <a:t>invoices</a:t>
+            </a:r>
+            <a:endParaRPr lang="fr-FR" sz="2000" dirty="0" smtClean="0">
+              <a:solidFill>
+                <a:srgbClr val="E8750C"/>
+              </a:solidFill>
+            </a:endParaRPr>
+          </a:p>
+          <a:p>
             <a:pPr lvl="2"/>
             <a:r>
               <a:rPr lang="fr-FR" sz="2000" dirty="0" smtClean="0">
@@ -8381,7 +8434,7 @@
           <a:p>
             <a:fld id="{30547005-2CCE-4AAF-810C-C33FB4661996}" type="datetime1">
               <a:rPr lang="fr-FR" smtClean="0"/>
-              <a:t>17/12/2017</a:t>
+              <a:t>18/12/2017</a:t>
             </a:fld>
             <a:endParaRPr lang="fr-FR"/>
           </a:p>
@@ -8433,8 +8486,8 @@
         </p:blipFill>
         <p:spPr bwMode="auto">
           <a:xfrm>
-            <a:off x="5157812" y="4509120"/>
-            <a:ext cx="3810000" cy="2247900"/>
+            <a:off x="5220072" y="4545852"/>
+            <a:ext cx="3747740" cy="2211167"/>
           </a:xfrm>
           <a:prstGeom prst="rect">
             <a:avLst/>
@@ -8776,7 +8829,7 @@
           <a:p>
             <a:fld id="{30547005-2CCE-4AAF-810C-C33FB4661996}" type="datetime1">
               <a:rPr lang="fr-FR" smtClean="0"/>
-              <a:t>17/12/2017</a:t>
+              <a:t>18/12/2017</a:t>
             </a:fld>
             <a:endParaRPr lang="fr-FR"/>
           </a:p>
@@ -8989,8 +9042,50 @@
                   <a:srgbClr val="E8750C"/>
                 </a:solidFill>
               </a:rPr>
-              <a:t>Risque d’erreur assez faible même avec peu d’achats</a:t>
-            </a:r>
+              <a:t>Risque d’erreur assez faible même avec peu </a:t>
+            </a:r>
+            <a:r>
+              <a:rPr lang="fr-FR" sz="2400" dirty="0" smtClean="0">
+                <a:solidFill>
+                  <a:srgbClr val="E8750C"/>
+                </a:solidFill>
+              </a:rPr>
+              <a:t>d’achats</a:t>
+            </a:r>
+          </a:p>
+          <a:p>
+            <a:r>
+              <a:rPr lang="fr-FR" sz="2400" dirty="0" smtClean="0">
+                <a:solidFill>
+                  <a:srgbClr val="E8750C"/>
+                </a:solidFill>
+              </a:rPr>
+              <a:t>Evolution des clients de certains cluster dans le temps ?</a:t>
+            </a:r>
+          </a:p>
+          <a:p>
+            <a:pPr lvl="1"/>
+            <a:r>
+              <a:rPr lang="fr-FR" sz="2000" dirty="0" err="1" smtClean="0">
+                <a:solidFill>
+                  <a:srgbClr val="E8750C"/>
+                </a:solidFill>
+              </a:rPr>
+              <a:t>Fidelisation</a:t>
+            </a:r>
+            <a:r>
+              <a:rPr lang="fr-FR" sz="2000" dirty="0" smtClean="0">
+                <a:solidFill>
+                  <a:srgbClr val="E8750C"/>
+                </a:solidFill>
+              </a:rPr>
+              <a:t> ou perte du client</a:t>
+            </a:r>
+            <a:endParaRPr lang="fr-FR" sz="2000" dirty="0" smtClean="0">
+              <a:solidFill>
+                <a:srgbClr val="E8750C"/>
+              </a:solidFill>
+            </a:endParaRPr>
           </a:p>
         </p:txBody>
       </p:sp>
@@ -9011,7 +9106,7 @@
           <a:p>
             <a:fld id="{30547005-2CCE-4AAF-810C-C33FB4661996}" type="datetime1">
               <a:rPr lang="fr-FR" smtClean="0"/>
-              <a:t>17/12/2017</a:t>
+              <a:t>18/12/2017</a:t>
             </a:fld>
             <a:endParaRPr lang="fr-FR"/>
           </a:p>
@@ -9094,7 +9189,7 @@
           <a:p>
             <a:fld id="{30547005-2CCE-4AAF-810C-C33FB4661996}" type="datetime1">
               <a:rPr lang="fr-FR" smtClean="0"/>
-              <a:t>17/12/2017</a:t>
+              <a:t>18/12/2017</a:t>
             </a:fld>
             <a:endParaRPr lang="fr-FR"/>
           </a:p>
@@ -9373,7 +9468,7 @@
           <a:p>
             <a:fld id="{30547005-2CCE-4AAF-810C-C33FB4661996}" type="datetime1">
               <a:rPr lang="fr-FR" smtClean="0"/>
-              <a:t>17/12/2017</a:t>
+              <a:t>18/12/2017</a:t>
             </a:fld>
             <a:endParaRPr lang="fr-FR"/>
           </a:p>
@@ -9556,7 +9651,7 @@
           <a:p>
             <a:fld id="{30547005-2CCE-4AAF-810C-C33FB4661996}" type="datetime1">
               <a:rPr lang="fr-FR" smtClean="0"/>
-              <a:t>17/12/2017</a:t>
+              <a:t>18/12/2017</a:t>
             </a:fld>
             <a:endParaRPr lang="fr-FR"/>
           </a:p>
@@ -9834,11 +9929,6 @@
               </a:rPr>
               <a:t>Pays d’origine</a:t>
             </a:r>
-            <a:endParaRPr lang="fr-FR" dirty="0" smtClean="0">
-              <a:solidFill>
-                <a:srgbClr val="E8750C"/>
-              </a:solidFill>
-            </a:endParaRPr>
           </a:p>
           <a:p>
             <a:pPr lvl="1"/>
@@ -9875,11 +9965,6 @@
               </a:rPr>
               <a:t>A conserver</a:t>
             </a:r>
-            <a:endParaRPr lang="fr-FR" dirty="0" smtClean="0">
-              <a:solidFill>
-                <a:srgbClr val="E8750C"/>
-              </a:solidFill>
-            </a:endParaRPr>
           </a:p>
           <a:p>
             <a:pPr lvl="1"/>
@@ -9929,7 +10014,7 @@
           <a:p>
             <a:fld id="{30547005-2CCE-4AAF-810C-C33FB4661996}" type="datetime1">
               <a:rPr lang="fr-FR" smtClean="0"/>
-              <a:t>17/12/2017</a:t>
+              <a:t>18/12/2017</a:t>
             </a:fld>
             <a:endParaRPr lang="fr-FR"/>
           </a:p>
@@ -10191,7 +10276,7 @@
           <a:p>
             <a:fld id="{30547005-2CCE-4AAF-810C-C33FB4661996}" type="datetime1">
               <a:rPr lang="fr-FR" smtClean="0"/>
-              <a:t>17/12/2017</a:t>
+              <a:t>18/12/2017</a:t>
             </a:fld>
             <a:endParaRPr lang="fr-FR"/>
           </a:p>
@@ -10467,7 +10552,7 @@
           <a:p>
             <a:fld id="{30547005-2CCE-4AAF-810C-C33FB4661996}" type="datetime1">
               <a:rPr lang="fr-FR" smtClean="0"/>
-              <a:t>17/12/2017</a:t>
+              <a:t>18/12/2017</a:t>
             </a:fld>
             <a:endParaRPr lang="fr-FR"/>
           </a:p>
@@ -10776,7 +10861,7 @@
           <a:p>
             <a:fld id="{30547005-2CCE-4AAF-810C-C33FB4661996}" type="datetime1">
               <a:rPr lang="fr-FR" smtClean="0"/>
-              <a:t>17/12/2017</a:t>
+              <a:t>18/12/2017</a:t>
             </a:fld>
             <a:endParaRPr lang="fr-FR"/>
           </a:p>
@@ -11136,7 +11221,7 @@
           <a:p>
             <a:fld id="{30547005-2CCE-4AAF-810C-C33FB4661996}" type="datetime1">
               <a:rPr lang="fr-FR" smtClean="0"/>
-              <a:t>17/12/2017</a:t>
+              <a:t>18/12/2017</a:t>
             </a:fld>
             <a:endParaRPr lang="fr-FR"/>
           </a:p>

--- a/P5/Presentation_projet_5.pptx
+++ b/P5/Presentation_projet_5.pptx
@@ -5150,23 +5150,7 @@
                   <a:srgbClr val="E8750C"/>
                 </a:solidFill>
               </a:rPr>
-              <a:t>Encodage des </a:t>
-            </a:r>
-            <a:r>
-              <a:rPr lang="fr-FR" dirty="0" smtClean="0">
-                <a:solidFill>
-                  <a:srgbClr val="E8750C"/>
-                </a:solidFill>
-              </a:rPr>
-              <a:t>articles </a:t>
-            </a:r>
-            <a:r>
-              <a:rPr lang="fr-FR" dirty="0" smtClean="0">
-                <a:solidFill>
-                  <a:srgbClr val="E8750C"/>
-                </a:solidFill>
-              </a:rPr>
-              <a:t>par cluster</a:t>
+              <a:t>Encodage des articles par cluster</a:t>
             </a:r>
           </a:p>
           <a:p>
@@ -5997,23 +5981,7 @@
                   <a:srgbClr val="E8750C"/>
                 </a:solidFill>
               </a:rPr>
-              <a:t>Garder </a:t>
-            </a:r>
-            <a:r>
-              <a:rPr lang="fr-FR" dirty="0" smtClean="0">
-                <a:solidFill>
-                  <a:srgbClr val="E8750C"/>
-                </a:solidFill>
-              </a:rPr>
-              <a:t>suffisamment </a:t>
-            </a:r>
-            <a:r>
-              <a:rPr lang="fr-FR" dirty="0" smtClean="0">
-                <a:solidFill>
-                  <a:srgbClr val="E8750C"/>
-                </a:solidFill>
-              </a:rPr>
-              <a:t>de </a:t>
+              <a:t>Garder suffisamment de </a:t>
             </a:r>
           </a:p>
           <a:p>
@@ -6994,9 +6962,77 @@
           <a:chExt cx="0" cy="0"/>
         </a:xfrm>
       </p:grpSpPr>
+      <p:sp>
+        <p:nvSpPr>
+          <p:cNvPr id="2" name="Titre 1"/>
+          <p:cNvSpPr>
+            <a:spLocks noGrp="1"/>
+          </p:cNvSpPr>
+          <p:nvPr>
+            <p:ph type="title"/>
+          </p:nvPr>
+        </p:nvSpPr>
+        <p:spPr/>
+        <p:txBody>
+          <a:bodyPr/>
+          <a:lstStyle/>
+          <a:p>
+            <a:r>
+              <a:rPr lang="fr-FR" dirty="0"/>
+              <a:t>Interprétation des Clusters</a:t>
+            </a:r>
+          </a:p>
+        </p:txBody>
+      </p:sp>
+      <p:sp>
+        <p:nvSpPr>
+          <p:cNvPr id="4" name="Espace réservé de la date 3"/>
+          <p:cNvSpPr>
+            <a:spLocks noGrp="1"/>
+          </p:cNvSpPr>
+          <p:nvPr>
+            <p:ph type="dt" sz="half" idx="10"/>
+          </p:nvPr>
+        </p:nvSpPr>
+        <p:spPr/>
+        <p:txBody>
+          <a:bodyPr/>
+          <a:lstStyle/>
+          <a:p>
+            <a:fld id="{30547005-2CCE-4AAF-810C-C33FB4661996}" type="datetime1">
+              <a:rPr lang="fr-FR" smtClean="0"/>
+              <a:t>18/12/2017</a:t>
+            </a:fld>
+            <a:endParaRPr lang="fr-FR"/>
+          </a:p>
+        </p:txBody>
+      </p:sp>
+      <p:sp>
+        <p:nvSpPr>
+          <p:cNvPr id="5" name="Espace réservé du pied de page 4"/>
+          <p:cNvSpPr>
+            <a:spLocks noGrp="1"/>
+          </p:cNvSpPr>
+          <p:nvPr>
+            <p:ph type="ftr" sz="quarter" idx="11"/>
+          </p:nvPr>
+        </p:nvSpPr>
+        <p:spPr/>
+        <p:txBody>
+          <a:bodyPr/>
+          <a:lstStyle/>
+          <a:p>
+            <a:r>
+              <a:rPr lang="fr-FR" dirty="0" smtClean="0"/>
+              <a:t>MINE Nicolas</a:t>
+            </a:r>
+            <a:endParaRPr lang="fr-FR" dirty="0"/>
+          </a:p>
+        </p:txBody>
+      </p:sp>
       <p:pic>
         <p:nvPicPr>
-          <p:cNvPr id="16390" name="Picture 6" descr="F:\Nicolas\Documents\OpenClassRoom\P5\img\polar_clusters.png"/>
+          <p:cNvPr id="1026" name="Picture 2" descr="F:\Nicolas\Documents\OpenClassRoom\P5\img\polar_clusters.png"/>
           <p:cNvPicPr>
             <a:picLocks noChangeAspect="1" noChangeArrowheads="1"/>
           </p:cNvPicPr>
@@ -7027,8 +7063,8 @@
         </p:blipFill>
         <p:spPr bwMode="auto">
           <a:xfrm>
-            <a:off x="1547664" y="1018902"/>
-            <a:ext cx="5839097" cy="5839098"/>
+            <a:off x="755576" y="980728"/>
+            <a:ext cx="7440724" cy="5952579"/>
           </a:xfrm>
           <a:prstGeom prst="rect">
             <a:avLst/>
@@ -7045,74 +7081,6 @@
           </a:extLst>
         </p:spPr>
       </p:pic>
-      <p:sp>
-        <p:nvSpPr>
-          <p:cNvPr id="2" name="Titre 1"/>
-          <p:cNvSpPr>
-            <a:spLocks noGrp="1"/>
-          </p:cNvSpPr>
-          <p:nvPr>
-            <p:ph type="title"/>
-          </p:nvPr>
-        </p:nvSpPr>
-        <p:spPr/>
-        <p:txBody>
-          <a:bodyPr/>
-          <a:lstStyle/>
-          <a:p>
-            <a:r>
-              <a:rPr lang="fr-FR" dirty="0"/>
-              <a:t>Interprétation des Clusters</a:t>
-            </a:r>
-          </a:p>
-        </p:txBody>
-      </p:sp>
-      <p:sp>
-        <p:nvSpPr>
-          <p:cNvPr id="4" name="Espace réservé de la date 3"/>
-          <p:cNvSpPr>
-            <a:spLocks noGrp="1"/>
-          </p:cNvSpPr>
-          <p:nvPr>
-            <p:ph type="dt" sz="half" idx="10"/>
-          </p:nvPr>
-        </p:nvSpPr>
-        <p:spPr/>
-        <p:txBody>
-          <a:bodyPr/>
-          <a:lstStyle/>
-          <a:p>
-            <a:fld id="{30547005-2CCE-4AAF-810C-C33FB4661996}" type="datetime1">
-              <a:rPr lang="fr-FR" smtClean="0"/>
-              <a:t>18/12/2017</a:t>
-            </a:fld>
-            <a:endParaRPr lang="fr-FR"/>
-          </a:p>
-        </p:txBody>
-      </p:sp>
-      <p:sp>
-        <p:nvSpPr>
-          <p:cNvPr id="5" name="Espace réservé du pied de page 4"/>
-          <p:cNvSpPr>
-            <a:spLocks noGrp="1"/>
-          </p:cNvSpPr>
-          <p:nvPr>
-            <p:ph type="ftr" sz="quarter" idx="11"/>
-          </p:nvPr>
-        </p:nvSpPr>
-        <p:spPr/>
-        <p:txBody>
-          <a:bodyPr/>
-          <a:lstStyle/>
-          <a:p>
-            <a:r>
-              <a:rPr lang="fr-FR" dirty="0" smtClean="0"/>
-              <a:t>MINE Nicolas</a:t>
-            </a:r>
-            <a:endParaRPr lang="fr-FR" dirty="0"/>
-          </a:p>
-        </p:txBody>
-      </p:sp>
     </p:spTree>
     <p:extLst>
       <p:ext uri="{BB962C8B-B14F-4D97-AF65-F5344CB8AC3E}">
@@ -7201,15 +7169,7 @@
                   <a:srgbClr val="E8750C"/>
                 </a:solidFill>
               </a:rPr>
-              <a:t>Suppression </a:t>
-            </a:r>
-            <a:r>
-              <a:rPr lang="fr-FR" dirty="0" smtClean="0">
-                <a:solidFill>
-                  <a:srgbClr val="E8750C"/>
-                </a:solidFill>
-              </a:rPr>
-              <a:t>Cluster 6 (4 clients – VIP)</a:t>
+              <a:t>Suppression Cluster 6 (4 clients – VIP)</a:t>
             </a:r>
           </a:p>
           <a:p>
@@ -7277,15 +7237,7 @@
                   <a:srgbClr val="E8750C"/>
                 </a:solidFill>
               </a:rPr>
-              <a:t>KNN </a:t>
-            </a:r>
-            <a:r>
-              <a:rPr lang="fr-FR" dirty="0" smtClean="0">
-                <a:solidFill>
-                  <a:srgbClr val="E8750C"/>
-                </a:solidFill>
-              </a:rPr>
-              <a:t>( </a:t>
+              <a:t>KNN ( </a:t>
             </a:r>
             <a:r>
               <a:rPr lang="fr-FR" dirty="0" err="1" smtClean="0">
@@ -8317,11 +8269,6 @@
               </a:rPr>
               <a:t> =&gt; prédiction</a:t>
             </a:r>
-            <a:endParaRPr lang="fr-FR" sz="2000" dirty="0" smtClean="0">
-              <a:solidFill>
-                <a:srgbClr val="E8750C"/>
-              </a:solidFill>
-            </a:endParaRPr>
           </a:p>
           <a:p>
             <a:pPr lvl="1"/>
@@ -9042,24 +8989,16 @@
                   <a:srgbClr val="E8750C"/>
                 </a:solidFill>
               </a:rPr>
-              <a:t>Risque d’erreur assez faible même avec peu </a:t>
-            </a:r>
+              <a:t>Risque d’erreur assez faible même avec peu d’achats</a:t>
+            </a:r>
+          </a:p>
+          <a:p>
             <a:r>
               <a:rPr lang="fr-FR" sz="2400" dirty="0" smtClean="0">
                 <a:solidFill>
                   <a:srgbClr val="E8750C"/>
                 </a:solidFill>
               </a:rPr>
-              <a:t>d’achats</a:t>
-            </a:r>
-          </a:p>
-          <a:p>
-            <a:r>
-              <a:rPr lang="fr-FR" sz="2400" dirty="0" smtClean="0">
-                <a:solidFill>
-                  <a:srgbClr val="E8750C"/>
-                </a:solidFill>
-              </a:rPr>
               <a:t>Evolution des clients de certains cluster dans le temps ?</a:t>
             </a:r>
           </a:p>
@@ -9081,11 +9020,6 @@
               </a:rPr>
               <a:t> ou perte du client</a:t>
             </a:r>
-            <a:endParaRPr lang="fr-FR" sz="2000" dirty="0" smtClean="0">
-              <a:solidFill>
-                <a:srgbClr val="E8750C"/>
-              </a:solidFill>
-            </a:endParaRPr>
           </a:p>
         </p:txBody>
       </p:sp>

--- a/P5/Presentation_projet_5.pptx
+++ b/P5/Presentation_projet_5.pptx
@@ -218,7 +218,7 @@
           <a:p>
             <a:fld id="{E66492E5-39EF-4EC5-9E99-7F0DBC26806B}" type="datetimeFigureOut">
               <a:rPr lang="fr-FR" smtClean="0"/>
-              <a:t>18/12/2017</a:t>
+              <a:t>19/12/2017</a:t>
             </a:fld>
             <a:endParaRPr lang="fr-FR"/>
           </a:p>
@@ -751,7 +751,7 @@
           <a:p>
             <a:fld id="{2A35F02A-33DF-42A4-9F54-2DFA5B84052E}" type="datetime1">
               <a:rPr lang="fr-FR" smtClean="0"/>
-              <a:t>18/12/2017</a:t>
+              <a:t>19/12/2017</a:t>
             </a:fld>
             <a:endParaRPr lang="fr-FR"/>
           </a:p>
@@ -925,7 +925,7 @@
           <a:p>
             <a:fld id="{AA7084F6-C923-4306-BC74-6AA1A26D5992}" type="datetime1">
               <a:rPr lang="fr-FR" smtClean="0"/>
-              <a:t>18/12/2017</a:t>
+              <a:t>19/12/2017</a:t>
             </a:fld>
             <a:endParaRPr lang="fr-FR"/>
           </a:p>
@@ -1109,7 +1109,7 @@
           <a:p>
             <a:fld id="{6B9DA1C8-56AA-40E0-92DC-CCF13B41CFF7}" type="datetime1">
               <a:rPr lang="fr-FR" smtClean="0"/>
-              <a:t>18/12/2017</a:t>
+              <a:t>19/12/2017</a:t>
             </a:fld>
             <a:endParaRPr lang="fr-FR"/>
           </a:p>
@@ -1283,7 +1283,7 @@
           <a:p>
             <a:fld id="{30547005-2CCE-4AAF-810C-C33FB4661996}" type="datetime1">
               <a:rPr lang="fr-FR" smtClean="0"/>
-              <a:t>18/12/2017</a:t>
+              <a:t>19/12/2017</a:t>
             </a:fld>
             <a:endParaRPr lang="fr-FR"/>
           </a:p>
@@ -1533,7 +1533,7 @@
           <a:p>
             <a:fld id="{3EBD0647-CE4F-4B82-BC14-997434234D2E}" type="datetime1">
               <a:rPr lang="fr-FR" smtClean="0"/>
-              <a:t>18/12/2017</a:t>
+              <a:t>19/12/2017</a:t>
             </a:fld>
             <a:endParaRPr lang="fr-FR"/>
           </a:p>
@@ -1825,7 +1825,7 @@
           <a:p>
             <a:fld id="{263CA1C6-1D15-44B1-8495-DE2EC5425D2F}" type="datetime1">
               <a:rPr lang="fr-FR" smtClean="0"/>
-              <a:t>18/12/2017</a:t>
+              <a:t>19/12/2017</a:t>
             </a:fld>
             <a:endParaRPr lang="fr-FR"/>
           </a:p>
@@ -2251,7 +2251,7 @@
           <a:p>
             <a:fld id="{5F86B07A-1301-4558-A6E0-D7A436826ECB}" type="datetime1">
               <a:rPr lang="fr-FR" smtClean="0"/>
-              <a:t>18/12/2017</a:t>
+              <a:t>19/12/2017</a:t>
             </a:fld>
             <a:endParaRPr lang="fr-FR"/>
           </a:p>
@@ -2373,7 +2373,7 @@
           <a:p>
             <a:fld id="{10CD6315-9A1E-41E9-BC28-33D394163B67}" type="datetime1">
               <a:rPr lang="fr-FR" smtClean="0"/>
-              <a:t>18/12/2017</a:t>
+              <a:t>19/12/2017</a:t>
             </a:fld>
             <a:endParaRPr lang="fr-FR"/>
           </a:p>
@@ -2472,7 +2472,7 @@
           <a:p>
             <a:fld id="{8EA7A85C-1960-4CA0-B72B-A39E81C20158}" type="datetime1">
               <a:rPr lang="fr-FR" smtClean="0"/>
-              <a:t>18/12/2017</a:t>
+              <a:t>19/12/2017</a:t>
             </a:fld>
             <a:endParaRPr lang="fr-FR"/>
           </a:p>
@@ -2753,7 +2753,7 @@
           <a:p>
             <a:fld id="{885A14C0-C539-4FC5-A6ED-ABABD975303B}" type="datetime1">
               <a:rPr lang="fr-FR" smtClean="0"/>
-              <a:t>18/12/2017</a:t>
+              <a:t>19/12/2017</a:t>
             </a:fld>
             <a:endParaRPr lang="fr-FR"/>
           </a:p>
@@ -3010,7 +3010,7 @@
           <a:p>
             <a:fld id="{D772F3C9-8121-4DF6-9420-FBC4A08EF57A}" type="datetime1">
               <a:rPr lang="fr-FR" smtClean="0"/>
-              <a:t>18/12/2017</a:t>
+              <a:t>19/12/2017</a:t>
             </a:fld>
             <a:endParaRPr lang="fr-FR"/>
           </a:p>
@@ -3248,7 +3248,7 @@
           <a:p>
             <a:fld id="{C13329EF-B01B-4D4B-83A1-AFBB7696C373}" type="datetime1">
               <a:rPr lang="fr-FR" smtClean="0"/>
-              <a:t>18/12/2017</a:t>
+              <a:t>19/12/2017</a:t>
             </a:fld>
             <a:endParaRPr lang="fr-FR"/>
           </a:p>
@@ -3745,7 +3745,7 @@
                   <a:srgbClr val="95023C"/>
                 </a:solidFill>
               </a:rPr>
-              <a:t>18/12/2017</a:t>
+              <a:t>19/12/2017</a:t>
             </a:fld>
             <a:endParaRPr lang="fr-FR" dirty="0">
               <a:solidFill>
@@ -4078,7 +4078,7 @@
           <a:p>
             <a:fld id="{30547005-2CCE-4AAF-810C-C33FB4661996}" type="datetime1">
               <a:rPr lang="fr-FR" smtClean="0"/>
-              <a:t>18/12/2017</a:t>
+              <a:t>19/12/2017</a:t>
             </a:fld>
             <a:endParaRPr lang="fr-FR"/>
           </a:p>
@@ -4393,7 +4393,7 @@
           <a:p>
             <a:fld id="{30547005-2CCE-4AAF-810C-C33FB4661996}" type="datetime1">
               <a:rPr lang="fr-FR" smtClean="0"/>
-              <a:t>18/12/2017</a:t>
+              <a:t>19/12/2017</a:t>
             </a:fld>
             <a:endParaRPr lang="fr-FR"/>
           </a:p>
@@ -4608,7 +4608,7 @@
           <a:p>
             <a:fld id="{30547005-2CCE-4AAF-810C-C33FB4661996}" type="datetime1">
               <a:rPr lang="fr-FR" smtClean="0"/>
-              <a:t>18/12/2017</a:t>
+              <a:t>19/12/2017</a:t>
             </a:fld>
             <a:endParaRPr lang="fr-FR"/>
           </a:p>
@@ -4670,8 +4670,59 @@
         </p:blipFill>
         <p:spPr bwMode="auto">
           <a:xfrm>
-            <a:off x="971600" y="1628800"/>
-            <a:ext cx="6984776" cy="5238583"/>
+            <a:off x="-252536" y="2420888"/>
+            <a:ext cx="5333265" cy="3999950"/>
+          </a:xfrm>
+          <a:prstGeom prst="rect">
+            <a:avLst/>
+          </a:prstGeom>
+          <a:noFill/>
+          <a:extLst>
+            <a:ext uri="{909E8E84-426E-40DD-AFC4-6F175D3DCCD1}">
+              <a14:hiddenFill xmlns:a14="http://schemas.microsoft.com/office/drawing/2010/main">
+                <a:solidFill>
+                  <a:srgbClr val="FFFFFF"/>
+                </a:solidFill>
+              </a14:hiddenFill>
+            </a:ext>
+          </a:extLst>
+        </p:spPr>
+      </p:pic>
+      <p:pic>
+        <p:nvPicPr>
+          <p:cNvPr id="1026" name="Picture 2" descr="F:\Nicolas\Documents\OpenClassRoom\P5\img\nb_article_cluster.png"/>
+          <p:cNvPicPr>
+            <a:picLocks noChangeAspect="1" noChangeArrowheads="1"/>
+          </p:cNvPicPr>
+          <p:nvPr/>
+        </p:nvPicPr>
+        <p:blipFill>
+          <a:blip r:embed="rId3">
+            <a:clrChange>
+              <a:clrFrom>
+                <a:srgbClr val="FFFFFF"/>
+              </a:clrFrom>
+              <a:clrTo>
+                <a:srgbClr val="FFFFFF">
+                  <a:alpha val="0"/>
+                </a:srgbClr>
+              </a:clrTo>
+            </a:clrChange>
+            <a:extLst>
+              <a:ext uri="{28A0092B-C50C-407E-A947-70E740481C1C}">
+                <a14:useLocalDpi xmlns:a14="http://schemas.microsoft.com/office/drawing/2010/main" val="0"/>
+              </a:ext>
+            </a:extLst>
+          </a:blip>
+          <a:srcRect/>
+          <a:stretch>
+            <a:fillRect/>
+          </a:stretch>
+        </p:blipFill>
+        <p:spPr bwMode="auto">
+          <a:xfrm>
+            <a:off x="4211960" y="2413037"/>
+            <a:ext cx="5354201" cy="4015651"/>
           </a:xfrm>
           <a:prstGeom prst="rect">
             <a:avLst/>
@@ -4823,7 +4874,7 @@
           <a:p>
             <a:fld id="{30547005-2CCE-4AAF-810C-C33FB4661996}" type="datetime1">
               <a:rPr lang="fr-FR" smtClean="0"/>
-              <a:t>18/12/2017</a:t>
+              <a:t>19/12/2017</a:t>
             </a:fld>
             <a:endParaRPr lang="fr-FR"/>
           </a:p>
@@ -5300,7 +5351,7 @@
           <a:p>
             <a:fld id="{30547005-2CCE-4AAF-810C-C33FB4661996}" type="datetime1">
               <a:rPr lang="fr-FR" smtClean="0"/>
-              <a:t>18/12/2017</a:t>
+              <a:t>19/12/2017</a:t>
             </a:fld>
             <a:endParaRPr lang="fr-FR"/>
           </a:p>
@@ -5597,7 +5648,7 @@
           <a:p>
             <a:fld id="{30547005-2CCE-4AAF-810C-C33FB4661996}" type="datetime1">
               <a:rPr lang="fr-FR" smtClean="0"/>
-              <a:t>18/12/2017</a:t>
+              <a:t>19/12/2017</a:t>
             </a:fld>
             <a:endParaRPr lang="fr-FR"/>
           </a:p>
@@ -6016,7 +6067,7 @@
           <a:p>
             <a:fld id="{30547005-2CCE-4AAF-810C-C33FB4661996}" type="datetime1">
               <a:rPr lang="fr-FR" smtClean="0"/>
-              <a:t>18/12/2017</a:t>
+              <a:t>19/12/2017</a:t>
             </a:fld>
             <a:endParaRPr lang="fr-FR"/>
           </a:p>
@@ -6265,7 +6316,7 @@
           <a:p>
             <a:fld id="{30547005-2CCE-4AAF-810C-C33FB4661996}" type="datetime1">
               <a:rPr lang="fr-FR" smtClean="0"/>
-              <a:t>18/12/2017</a:t>
+              <a:t>19/12/2017</a:t>
             </a:fld>
             <a:endParaRPr lang="fr-FR"/>
           </a:p>
@@ -6421,7 +6472,7 @@
           <a:p>
             <a:fld id="{30547005-2CCE-4AAF-810C-C33FB4661996}" type="datetime1">
               <a:rPr lang="fr-FR" smtClean="0"/>
-              <a:t>18/12/2017</a:t>
+              <a:t>19/12/2017</a:t>
             </a:fld>
             <a:endParaRPr lang="fr-FR"/>
           </a:p>
@@ -6577,7 +6628,7 @@
           <a:p>
             <a:fld id="{30547005-2CCE-4AAF-810C-C33FB4661996}" type="datetime1">
               <a:rPr lang="fr-FR" smtClean="0"/>
-              <a:t>18/12/2017</a:t>
+              <a:t>19/12/2017</a:t>
             </a:fld>
             <a:endParaRPr lang="fr-FR"/>
           </a:p>
@@ -6845,7 +6896,7 @@
           <a:p>
             <a:fld id="{30547005-2CCE-4AAF-810C-C33FB4661996}" type="datetime1">
               <a:rPr lang="fr-FR" smtClean="0"/>
-              <a:t>18/12/2017</a:t>
+              <a:t>19/12/2017</a:t>
             </a:fld>
             <a:endParaRPr lang="fr-FR"/>
           </a:p>
@@ -7001,7 +7052,7 @@
           <a:p>
             <a:fld id="{30547005-2CCE-4AAF-810C-C33FB4661996}" type="datetime1">
               <a:rPr lang="fr-FR" smtClean="0"/>
-              <a:t>18/12/2017</a:t>
+              <a:t>19/12/2017</a:t>
             </a:fld>
             <a:endParaRPr lang="fr-FR"/>
           </a:p>
@@ -7521,7 +7572,7 @@
           <a:p>
             <a:fld id="{30547005-2CCE-4AAF-810C-C33FB4661996}" type="datetime1">
               <a:rPr lang="fr-FR" smtClean="0"/>
-              <a:t>18/12/2017</a:t>
+              <a:t>19/12/2017</a:t>
             </a:fld>
             <a:endParaRPr lang="fr-FR"/>
           </a:p>
@@ -7626,7 +7677,7 @@
           <a:p>
             <a:fld id="{30547005-2CCE-4AAF-810C-C33FB4661996}" type="datetime1">
               <a:rPr lang="fr-FR" smtClean="0"/>
-              <a:t>18/12/2017</a:t>
+              <a:t>19/12/2017</a:t>
             </a:fld>
             <a:endParaRPr lang="fr-FR"/>
           </a:p>
@@ -7974,7 +8025,7 @@
           <a:p>
             <a:fld id="{30547005-2CCE-4AAF-810C-C33FB4661996}" type="datetime1">
               <a:rPr lang="fr-FR" smtClean="0"/>
-              <a:t>18/12/2017</a:t>
+              <a:t>19/12/2017</a:t>
             </a:fld>
             <a:endParaRPr lang="fr-FR"/>
           </a:p>
@@ -8381,7 +8432,7 @@
           <a:p>
             <a:fld id="{30547005-2CCE-4AAF-810C-C33FB4661996}" type="datetime1">
               <a:rPr lang="fr-FR" smtClean="0"/>
-              <a:t>18/12/2017</a:t>
+              <a:t>19/12/2017</a:t>
             </a:fld>
             <a:endParaRPr lang="fr-FR"/>
           </a:p>
@@ -8561,7 +8612,7 @@
                   <a:srgbClr val="E8750C"/>
                 </a:solidFill>
               </a:rPr>
-              <a:t>Convertir comme RFM avant </a:t>
+              <a:t>Le </a:t>
             </a:r>
             <a:r>
               <a:rPr lang="fr-FR" sz="2400" dirty="0" err="1" smtClean="0">
@@ -8577,10 +8628,18 @@
                   <a:srgbClr val="E8750C"/>
                 </a:solidFill>
               </a:rPr>
-              <a:t> (perte d’info mais aide au </a:t>
-            </a:r>
-            <a:r>
-              <a:rPr lang="fr-FR" sz="2400" dirty="0" err="1" smtClean="0">
+              <a:t> des objets </a:t>
+            </a:r>
+            <a:r>
+              <a:rPr lang="fr-FR" sz="2400" dirty="0">
+                <a:solidFill>
+                  <a:srgbClr val="E8750C"/>
+                </a:solidFill>
+              </a:rPr>
+              <a:t>impacte le </a:t>
+            </a:r>
+            <a:r>
+              <a:rPr lang="fr-FR" sz="2400" dirty="0" err="1">
                 <a:solidFill>
                   <a:srgbClr val="E8750C"/>
                 </a:solidFill>
@@ -8588,162 +8647,21 @@
               <a:t>Clustering</a:t>
             </a:r>
             <a:r>
+              <a:rPr lang="fr-FR" sz="2400" dirty="0">
+                <a:solidFill>
+                  <a:srgbClr val="E8750C"/>
+                </a:solidFill>
+              </a:rPr>
+              <a:t> des </a:t>
+            </a:r>
+            <a:r>
               <a:rPr lang="fr-FR" sz="2400" dirty="0" smtClean="0">
                 <a:solidFill>
                   <a:srgbClr val="E8750C"/>
                 </a:solidFill>
               </a:rPr>
-              <a:t>)</a:t>
-            </a:r>
-          </a:p>
-          <a:p>
-            <a:r>
-              <a:rPr lang="fr-FR" sz="2400" dirty="0" smtClean="0">
-                <a:solidFill>
-                  <a:srgbClr val="E8750C"/>
-                </a:solidFill>
-              </a:rPr>
-              <a:t>Meilleur Extraction des articles ? </a:t>
-            </a:r>
-          </a:p>
-          <a:p>
-            <a:pPr lvl="1"/>
-            <a:r>
-              <a:rPr lang="fr-FR" sz="2000" dirty="0" smtClean="0">
-                <a:solidFill>
-                  <a:srgbClr val="E8750C"/>
-                </a:solidFill>
-              </a:rPr>
-              <a:t>Jonction avec fournisseur par exemple</a:t>
-            </a:r>
-          </a:p>
-          <a:p>
-            <a:pPr lvl="1"/>
-            <a:r>
-              <a:rPr lang="fr-FR" sz="2000" dirty="0" smtClean="0">
-                <a:solidFill>
-                  <a:srgbClr val="E8750C"/>
-                </a:solidFill>
-              </a:rPr>
-              <a:t>Type de Produits (jouet, soins, </a:t>
-            </a:r>
-            <a:r>
-              <a:rPr lang="fr-FR" sz="2000" dirty="0" err="1" smtClean="0">
-                <a:solidFill>
-                  <a:srgbClr val="E8750C"/>
-                </a:solidFill>
-              </a:rPr>
-              <a:t>decoration</a:t>
-            </a:r>
-            <a:r>
-              <a:rPr lang="fr-FR" sz="2000" dirty="0" smtClean="0">
-                <a:solidFill>
-                  <a:srgbClr val="E8750C"/>
-                </a:solidFill>
-              </a:rPr>
-              <a:t>, bijoux, …)</a:t>
-            </a:r>
-          </a:p>
-          <a:p>
-            <a:r>
-              <a:rPr lang="fr-FR" sz="2400" dirty="0" smtClean="0">
-                <a:solidFill>
-                  <a:srgbClr val="E8750C"/>
-                </a:solidFill>
-              </a:rPr>
-              <a:t>Moins de Mots-clés pour les articles ?</a:t>
-            </a:r>
-          </a:p>
-          <a:p>
-            <a:r>
-              <a:rPr lang="fr-FR" sz="2400" dirty="0" smtClean="0">
-                <a:solidFill>
-                  <a:srgbClr val="E8750C"/>
-                </a:solidFill>
-              </a:rPr>
-              <a:t>2</a:t>
-            </a:r>
-            <a:r>
-              <a:rPr lang="fr-FR" sz="2400" baseline="30000" dirty="0" smtClean="0">
-                <a:solidFill>
-                  <a:srgbClr val="E8750C"/>
-                </a:solidFill>
-              </a:rPr>
-              <a:t>nd</a:t>
-            </a:r>
-            <a:r>
-              <a:rPr lang="fr-FR" sz="2400" dirty="0" smtClean="0">
-                <a:solidFill>
-                  <a:srgbClr val="E8750C"/>
-                </a:solidFill>
-              </a:rPr>
-              <a:t> </a:t>
-            </a:r>
-            <a:r>
-              <a:rPr lang="fr-FR" sz="2400" dirty="0" err="1" smtClean="0">
-                <a:solidFill>
-                  <a:srgbClr val="E8750C"/>
-                </a:solidFill>
-              </a:rPr>
-              <a:t>Clustering</a:t>
-            </a:r>
-            <a:r>
-              <a:rPr lang="fr-FR" sz="2400" dirty="0" smtClean="0">
-                <a:solidFill>
-                  <a:srgbClr val="E8750C"/>
-                </a:solidFill>
-              </a:rPr>
-              <a:t> par couleur ?</a:t>
-            </a:r>
-            <a:endParaRPr lang="fr-FR" sz="2000" dirty="0" smtClean="0">
-              <a:solidFill>
-                <a:srgbClr val="E8750C"/>
-              </a:solidFill>
-            </a:endParaRPr>
-          </a:p>
-          <a:p>
-            <a:r>
-              <a:rPr lang="fr-FR" sz="2400" dirty="0" smtClean="0">
-                <a:solidFill>
-                  <a:srgbClr val="E8750C"/>
-                </a:solidFill>
-              </a:rPr>
-              <a:t>Erreur sur le </a:t>
-            </a:r>
-            <a:r>
-              <a:rPr lang="fr-FR" sz="2400" dirty="0" err="1" smtClean="0">
-                <a:solidFill>
-                  <a:srgbClr val="E8750C"/>
-                </a:solidFill>
-              </a:rPr>
-              <a:t>Clustering</a:t>
-            </a:r>
-            <a:r>
-              <a:rPr lang="fr-FR" sz="2400" dirty="0" smtClean="0">
-                <a:solidFill>
-                  <a:srgbClr val="E8750C"/>
-                </a:solidFill>
-              </a:rPr>
-              <a:t> impacte le </a:t>
-            </a:r>
-            <a:r>
-              <a:rPr lang="fr-FR" sz="2400" dirty="0" err="1" smtClean="0">
-                <a:solidFill>
-                  <a:srgbClr val="E8750C"/>
-                </a:solidFill>
-              </a:rPr>
-              <a:t>Clustering</a:t>
-            </a:r>
-            <a:r>
-              <a:rPr lang="fr-FR" sz="2400" dirty="0" smtClean="0">
-                <a:solidFill>
-                  <a:srgbClr val="E8750C"/>
-                </a:solidFill>
-              </a:rPr>
-              <a:t> des Clients</a:t>
-            </a:r>
-          </a:p>
-          <a:p>
+              <a:t>Clients</a:t>
+            </a:r>
             <a:endParaRPr lang="fr-FR" sz="2400" dirty="0" smtClean="0">
               <a:solidFill>
                 <a:srgbClr val="E8750C"/>
@@ -8751,6 +8669,190 @@
             </a:endParaRPr>
           </a:p>
           <a:p>
+            <a:pPr lvl="1"/>
+            <a:r>
+              <a:rPr lang="fr-FR" sz="2000" dirty="0" smtClean="0">
+                <a:solidFill>
+                  <a:srgbClr val="E8750C"/>
+                </a:solidFill>
+              </a:rPr>
+              <a:t>Meilleur </a:t>
+            </a:r>
+            <a:r>
+              <a:rPr lang="fr-FR" sz="2000" dirty="0" smtClean="0">
+                <a:solidFill>
+                  <a:srgbClr val="E8750C"/>
+                </a:solidFill>
+              </a:rPr>
+              <a:t>Extraction des articles ? </a:t>
+            </a:r>
+          </a:p>
+          <a:p>
+            <a:pPr lvl="2"/>
+            <a:r>
+              <a:rPr lang="fr-FR" sz="1600" dirty="0" smtClean="0">
+                <a:solidFill>
+                  <a:srgbClr val="E8750C"/>
+                </a:solidFill>
+              </a:rPr>
+              <a:t>Jonction avec fournisseur par exemple</a:t>
+            </a:r>
+          </a:p>
+          <a:p>
+            <a:pPr lvl="2"/>
+            <a:r>
+              <a:rPr lang="fr-FR" sz="1600" dirty="0" smtClean="0">
+                <a:solidFill>
+                  <a:srgbClr val="E8750C"/>
+                </a:solidFill>
+              </a:rPr>
+              <a:t>Type de Produits (</a:t>
+            </a:r>
+            <a:r>
+              <a:rPr lang="fr-FR" sz="1600" dirty="0" smtClean="0">
+                <a:solidFill>
+                  <a:srgbClr val="E8750C"/>
+                </a:solidFill>
+              </a:rPr>
+              <a:t>jouets, </a:t>
+            </a:r>
+            <a:r>
+              <a:rPr lang="fr-FR" sz="1600" dirty="0" smtClean="0">
+                <a:solidFill>
+                  <a:srgbClr val="E8750C"/>
+                </a:solidFill>
+              </a:rPr>
+              <a:t>soins, </a:t>
+            </a:r>
+            <a:r>
+              <a:rPr lang="fr-FR" sz="1600" dirty="0" smtClean="0">
+                <a:solidFill>
+                  <a:srgbClr val="E8750C"/>
+                </a:solidFill>
+              </a:rPr>
+              <a:t>décorations, </a:t>
+            </a:r>
+            <a:r>
+              <a:rPr lang="fr-FR" sz="1600" dirty="0" smtClean="0">
+                <a:solidFill>
+                  <a:srgbClr val="E8750C"/>
+                </a:solidFill>
+              </a:rPr>
+              <a:t>bijoux, …)</a:t>
+            </a:r>
+          </a:p>
+          <a:p>
+            <a:pPr lvl="1"/>
+            <a:r>
+              <a:rPr lang="fr-FR" sz="2000" dirty="0" smtClean="0">
+                <a:solidFill>
+                  <a:srgbClr val="E8750C"/>
+                </a:solidFill>
+              </a:rPr>
+              <a:t>Moins de Mots-clés pour les articles ?</a:t>
+            </a:r>
+          </a:p>
+          <a:p>
+            <a:pPr lvl="1"/>
+            <a:r>
+              <a:rPr lang="fr-FR" sz="2000" dirty="0" smtClean="0">
+                <a:solidFill>
+                  <a:srgbClr val="E8750C"/>
+                </a:solidFill>
+              </a:rPr>
+              <a:t>2</a:t>
+            </a:r>
+            <a:r>
+              <a:rPr lang="fr-FR" sz="2000" baseline="30000" dirty="0" smtClean="0">
+                <a:solidFill>
+                  <a:srgbClr val="E8750C"/>
+                </a:solidFill>
+              </a:rPr>
+              <a:t>nd</a:t>
+            </a:r>
+            <a:r>
+              <a:rPr lang="fr-FR" sz="2000" dirty="0" smtClean="0">
+                <a:solidFill>
+                  <a:srgbClr val="E8750C"/>
+                </a:solidFill>
+              </a:rPr>
+              <a:t> </a:t>
+            </a:r>
+            <a:r>
+              <a:rPr lang="fr-FR" sz="2000" dirty="0" err="1" smtClean="0">
+                <a:solidFill>
+                  <a:srgbClr val="E8750C"/>
+                </a:solidFill>
+              </a:rPr>
+              <a:t>Clustering</a:t>
+            </a:r>
+            <a:r>
+              <a:rPr lang="fr-FR" sz="1600" dirty="0" smtClean="0">
+                <a:solidFill>
+                  <a:srgbClr val="E8750C"/>
+                </a:solidFill>
+              </a:rPr>
+              <a:t> par couleur ?</a:t>
+            </a:r>
+          </a:p>
+          <a:p>
+            <a:r>
+              <a:rPr lang="fr-FR" sz="2400" dirty="0" smtClean="0">
+                <a:solidFill>
+                  <a:srgbClr val="E8750C"/>
+                </a:solidFill>
+              </a:rPr>
+              <a:t>Convertir </a:t>
+            </a:r>
+            <a:r>
+              <a:rPr lang="fr-FR" sz="2400" dirty="0">
+                <a:solidFill>
+                  <a:srgbClr val="E8750C"/>
+                </a:solidFill>
+              </a:rPr>
+              <a:t>comme </a:t>
+            </a:r>
+            <a:r>
+              <a:rPr lang="fr-FR" sz="2400" dirty="0" smtClean="0">
+                <a:solidFill>
+                  <a:srgbClr val="E8750C"/>
+                </a:solidFill>
+              </a:rPr>
+              <a:t>le RFM (</a:t>
+            </a:r>
+            <a:r>
+              <a:rPr lang="fr-FR" sz="2400" dirty="0">
+                <a:solidFill>
+                  <a:srgbClr val="E8750C"/>
+                </a:solidFill>
+              </a:rPr>
+              <a:t>perte d’info mais aide au </a:t>
+            </a:r>
+            <a:r>
+              <a:rPr lang="fr-FR" sz="2400" dirty="0" err="1">
+                <a:solidFill>
+                  <a:srgbClr val="E8750C"/>
+                </a:solidFill>
+              </a:rPr>
+              <a:t>Clustering</a:t>
+            </a:r>
+            <a:r>
+              <a:rPr lang="fr-FR" sz="2400" dirty="0">
+                <a:solidFill>
+                  <a:srgbClr val="E8750C"/>
+                </a:solidFill>
+              </a:rPr>
+              <a:t>)</a:t>
+            </a:r>
+          </a:p>
+          <a:p>
+            <a:endParaRPr lang="fr-FR" sz="2400" dirty="0" smtClean="0">
+              <a:solidFill>
+                <a:srgbClr val="E8750C"/>
+              </a:solidFill>
+            </a:endParaRPr>
+          </a:p>
+          <a:p>
             <a:endParaRPr lang="fr-FR" sz="2400" dirty="0">
               <a:solidFill>
                 <a:srgbClr val="E8750C"/>
@@ -8776,7 +8878,7 @@
           <a:p>
             <a:fld id="{30547005-2CCE-4AAF-810C-C33FB4661996}" type="datetime1">
               <a:rPr lang="fr-FR" smtClean="0"/>
-              <a:t>18/12/2017</a:t>
+              <a:t>19/12/2017</a:t>
             </a:fld>
             <a:endParaRPr lang="fr-FR"/>
           </a:p>
@@ -8893,18 +8995,47 @@
                   <a:srgbClr val="E8750C"/>
                 </a:solidFill>
               </a:rPr>
-              <a:t>On a grouper les Clients dans 8 groupes</a:t>
-            </a:r>
-          </a:p>
-          <a:p>
+              <a:t>On a </a:t>
+            </a:r>
             <a:r>
               <a:rPr lang="fr-FR" sz="2400" dirty="0" smtClean="0">
                 <a:solidFill>
                   <a:srgbClr val="E8750C"/>
                 </a:solidFill>
               </a:rPr>
+              <a:t>groupé </a:t>
+            </a:r>
+            <a:r>
+              <a:rPr lang="fr-FR" sz="2400" dirty="0" smtClean="0">
+                <a:solidFill>
+                  <a:srgbClr val="E8750C"/>
+                </a:solidFill>
+              </a:rPr>
+              <a:t>les Clients dans 8 groupes</a:t>
+            </a:r>
+          </a:p>
+          <a:p>
+            <a:r>
+              <a:rPr lang="fr-FR" sz="2400" dirty="0" smtClean="0">
+                <a:solidFill>
+                  <a:srgbClr val="E8750C"/>
+                </a:solidFill>
+              </a:rPr>
               <a:t>Permet de savoir </a:t>
             </a:r>
+            <a:r>
+              <a:rPr lang="fr-FR" sz="2400" dirty="0">
+                <a:solidFill>
+                  <a:srgbClr val="E8750C"/>
+                </a:solidFill>
+              </a:rPr>
+              <a:t>:</a:t>
+            </a:r>
+            <a:endParaRPr lang="fr-FR" sz="2400" dirty="0" smtClean="0">
+              <a:solidFill>
+                <a:srgbClr val="E8750C"/>
+              </a:solidFill>
+            </a:endParaRPr>
           </a:p>
           <a:p>
             <a:pPr lvl="1"/>
@@ -8946,8 +9077,21 @@
                   <a:srgbClr val="E8750C"/>
                 </a:solidFill>
               </a:rPr>
-              <a:t>Aide à la décision</a:t>
-            </a:r>
+              <a:t>Aide à la </a:t>
+            </a:r>
+            <a:r>
+              <a:rPr lang="fr-FR" sz="2400" dirty="0" smtClean="0">
+                <a:solidFill>
+                  <a:srgbClr val="E8750C"/>
+                </a:solidFill>
+              </a:rPr>
+              <a:t>décision :</a:t>
+            </a:r>
+            <a:endParaRPr lang="fr-FR" sz="2400" dirty="0" smtClean="0">
+              <a:solidFill>
+                <a:srgbClr val="E8750C"/>
+              </a:solidFill>
+            </a:endParaRPr>
           </a:p>
           <a:p>
             <a:pPr lvl="1"/>
@@ -8999,26 +9143,42 @@
                   <a:srgbClr val="E8750C"/>
                 </a:solidFill>
               </a:rPr>
-              <a:t>Evolution des clients de certains cluster dans le temps ?</a:t>
+              <a:t>Evolution des clients de certains </a:t>
+            </a:r>
+            <a:r>
+              <a:rPr lang="fr-FR" sz="2400" dirty="0" smtClean="0">
+                <a:solidFill>
+                  <a:srgbClr val="E8750C"/>
+                </a:solidFill>
+              </a:rPr>
+              <a:t>clusters </a:t>
+            </a:r>
+            <a:r>
+              <a:rPr lang="fr-FR" sz="2400" dirty="0" smtClean="0">
+                <a:solidFill>
+                  <a:srgbClr val="E8750C"/>
+                </a:solidFill>
+              </a:rPr>
+              <a:t>dans le temps ?</a:t>
             </a:r>
           </a:p>
           <a:p>
             <a:pPr lvl="1"/>
             <a:r>
-              <a:rPr lang="fr-FR" sz="2000" dirty="0" err="1" smtClean="0">
-                <a:solidFill>
-                  <a:srgbClr val="E8750C"/>
-                </a:solidFill>
-              </a:rPr>
-              <a:t>Fidelisation</a:t>
-            </a:r>
-            <a:r>
               <a:rPr lang="fr-FR" sz="2000" dirty="0" smtClean="0">
                 <a:solidFill>
                   <a:srgbClr val="E8750C"/>
                 </a:solidFill>
               </a:rPr>
-              <a:t> ou perte du client</a:t>
+              <a:t>Fidélisation </a:t>
+            </a:r>
+            <a:r>
+              <a:rPr lang="fr-FR" sz="2000" dirty="0" smtClean="0">
+                <a:solidFill>
+                  <a:srgbClr val="E8750C"/>
+                </a:solidFill>
+              </a:rPr>
+              <a:t>ou perte du client</a:t>
             </a:r>
           </a:p>
         </p:txBody>
@@ -9040,7 +9200,7 @@
           <a:p>
             <a:fld id="{30547005-2CCE-4AAF-810C-C33FB4661996}" type="datetime1">
               <a:rPr lang="fr-FR" smtClean="0"/>
-              <a:t>18/12/2017</a:t>
+              <a:t>19/12/2017</a:t>
             </a:fld>
             <a:endParaRPr lang="fr-FR"/>
           </a:p>
@@ -9123,7 +9283,7 @@
           <a:p>
             <a:fld id="{30547005-2CCE-4AAF-810C-C33FB4661996}" type="datetime1">
               <a:rPr lang="fr-FR" smtClean="0"/>
-              <a:t>18/12/2017</a:t>
+              <a:t>19/12/2017</a:t>
             </a:fld>
             <a:endParaRPr lang="fr-FR"/>
           </a:p>
@@ -9402,7 +9562,7 @@
           <a:p>
             <a:fld id="{30547005-2CCE-4AAF-810C-C33FB4661996}" type="datetime1">
               <a:rPr lang="fr-FR" smtClean="0"/>
-              <a:t>18/12/2017</a:t>
+              <a:t>19/12/2017</a:t>
             </a:fld>
             <a:endParaRPr lang="fr-FR"/>
           </a:p>
@@ -9585,7 +9745,7 @@
           <a:p>
             <a:fld id="{30547005-2CCE-4AAF-810C-C33FB4661996}" type="datetime1">
               <a:rPr lang="fr-FR" smtClean="0"/>
-              <a:t>18/12/2017</a:t>
+              <a:t>19/12/2017</a:t>
             </a:fld>
             <a:endParaRPr lang="fr-FR"/>
           </a:p>
@@ -9948,7 +10108,7 @@
           <a:p>
             <a:fld id="{30547005-2CCE-4AAF-810C-C33FB4661996}" type="datetime1">
               <a:rPr lang="fr-FR" smtClean="0"/>
-              <a:t>18/12/2017</a:t>
+              <a:t>19/12/2017</a:t>
             </a:fld>
             <a:endParaRPr lang="fr-FR"/>
           </a:p>
@@ -10180,7 +10340,7 @@
                   <a:srgbClr val="E8750C"/>
                 </a:solidFill>
               </a:rPr>
-              <a:t>qte</a:t>
+              <a:t>qté</a:t>
             </a:r>
             <a:r>
               <a:rPr lang="fr-FR" dirty="0" smtClean="0">
@@ -10190,6 +10350,11 @@
               </a:rPr>
               <a:t>)</a:t>
             </a:r>
+            <a:endParaRPr lang="fr-FR" dirty="0" smtClean="0">
+              <a:solidFill>
+                <a:srgbClr val="E8750C"/>
+              </a:solidFill>
+            </a:endParaRPr>
           </a:p>
         </p:txBody>
       </p:sp>
@@ -10210,7 +10375,7 @@
           <a:p>
             <a:fld id="{30547005-2CCE-4AAF-810C-C33FB4661996}" type="datetime1">
               <a:rPr lang="fr-FR" smtClean="0"/>
-              <a:t>18/12/2017</a:t>
+              <a:t>19/12/2017</a:t>
             </a:fld>
             <a:endParaRPr lang="fr-FR"/>
           </a:p>
@@ -10486,7 +10651,7 @@
           <a:p>
             <a:fld id="{30547005-2CCE-4AAF-810C-C33FB4661996}" type="datetime1">
               <a:rPr lang="fr-FR" smtClean="0"/>
-              <a:t>18/12/2017</a:t>
+              <a:t>19/12/2017</a:t>
             </a:fld>
             <a:endParaRPr lang="fr-FR"/>
           </a:p>
@@ -10517,7 +10682,7 @@
       </p:sp>
       <p:pic>
         <p:nvPicPr>
-          <p:cNvPr id="5122" name="Picture 2" descr="F:\Nicolas\Documents\OpenClassRoom\P5\img\CA_week.png"/>
+          <p:cNvPr id="5123" name="Picture 3" descr="F:\Nicolas\Documents\OpenClassRoom\P5\img\CA_time.png"/>
           <p:cNvPicPr>
             <a:picLocks noChangeAspect="1" noChangeArrowheads="1"/>
           </p:cNvPicPr>
@@ -10548,8 +10713,8 @@
         </p:blipFill>
         <p:spPr bwMode="auto">
           <a:xfrm>
-            <a:off x="4548471" y="3281536"/>
-            <a:ext cx="4272001" cy="3204000"/>
+            <a:off x="323528" y="3281536"/>
+            <a:ext cx="4272000" cy="3204000"/>
           </a:xfrm>
           <a:prstGeom prst="rect">
             <a:avLst/>
@@ -10568,7 +10733,7 @@
       </p:pic>
       <p:pic>
         <p:nvPicPr>
-          <p:cNvPr id="5123" name="Picture 3" descr="F:\Nicolas\Documents\OpenClassRoom\P5\img\CA_time.png"/>
+          <p:cNvPr id="2050" name="Picture 2" descr="F:\Nicolas\Documents\OpenClassRoom\P5\img\CA_week.png"/>
           <p:cNvPicPr>
             <a:picLocks noChangeAspect="1" noChangeArrowheads="1"/>
           </p:cNvPicPr>
@@ -10599,7 +10764,7 @@
         </p:blipFill>
         <p:spPr bwMode="auto">
           <a:xfrm>
-            <a:off x="227991" y="3281536"/>
+            <a:off x="4530823" y="3281536"/>
             <a:ext cx="4272000" cy="3204000"/>
           </a:xfrm>
           <a:prstGeom prst="rect">
@@ -10795,7 +10960,7 @@
           <a:p>
             <a:fld id="{30547005-2CCE-4AAF-810C-C33FB4661996}" type="datetime1">
               <a:rPr lang="fr-FR" smtClean="0"/>
-              <a:t>18/12/2017</a:t>
+              <a:t>19/12/2017</a:t>
             </a:fld>
             <a:endParaRPr lang="fr-FR"/>
           </a:p>
@@ -11155,7 +11320,7 @@
           <a:p>
             <a:fld id="{30547005-2CCE-4AAF-810C-C33FB4661996}" type="datetime1">
               <a:rPr lang="fr-FR" smtClean="0"/>
-              <a:t>18/12/2017</a:t>
+              <a:t>19/12/2017</a:t>
             </a:fld>
             <a:endParaRPr lang="fr-FR"/>
           </a:p>
